--- a/Lectures/Lec01-Introduction.pptx
+++ b/Lectures/Lec01-Introduction.pptx
@@ -174,6 +174,9 @@
         </p14:section>
       </p14:sectionLst>
     </p:ext>
+    <p:ext uri="{EFAFB233-063F-42B5-8137-9DF3F51BA10A}">
+      <p15:sldGuideLst xmlns:p15="http://schemas.microsoft.com/office/powerpoint/2012/main"/>
+    </p:ext>
   </p:extLst>
 </p:presentation>
 </file>
@@ -5241,7 +5244,7 @@
           <a:p>
             <a:fld id="{1F6AFFF1-73BC-474B-9B74-714E66F6B952}" type="datetimeFigureOut">
               <a:rPr lang="zh-CN" altLang="en-US" smtClean="0"/>
-              <a:t>2021/3/8</a:t>
+              <a:t>2021/3/25</a:t>
             </a:fld>
             <a:endParaRPr lang="zh-CN" altLang="en-US"/>
           </a:p>
@@ -5443,7 +5446,7 @@
           <a:p>
             <a:fld id="{1F6AFFF1-73BC-474B-9B74-714E66F6B952}" type="datetimeFigureOut">
               <a:rPr lang="zh-CN" altLang="en-US" smtClean="0"/>
-              <a:t>2021/3/8</a:t>
+              <a:t>2021/3/25</a:t>
             </a:fld>
             <a:endParaRPr lang="zh-CN" altLang="en-US"/>
           </a:p>
@@ -5657,7 +5660,7 @@
           <a:p>
             <a:fld id="{1F6AFFF1-73BC-474B-9B74-714E66F6B952}" type="datetimeFigureOut">
               <a:rPr lang="zh-CN" altLang="en-US" smtClean="0"/>
-              <a:t>2021/3/8</a:t>
+              <a:t>2021/3/25</a:t>
             </a:fld>
             <a:endParaRPr lang="zh-CN" altLang="en-US"/>
           </a:p>
@@ -5861,7 +5864,7 @@
           <a:p>
             <a:fld id="{1F6AFFF1-73BC-474B-9B74-714E66F6B952}" type="datetimeFigureOut">
               <a:rPr lang="zh-CN" altLang="en-US" smtClean="0"/>
-              <a:t>2021/3/8</a:t>
+              <a:t>2021/3/25</a:t>
             </a:fld>
             <a:endParaRPr lang="zh-CN" altLang="en-US"/>
           </a:p>
@@ -6088,7 +6091,7 @@
           <a:p>
             <a:fld id="{1F6AFFF1-73BC-474B-9B74-714E66F6B952}" type="datetimeFigureOut">
               <a:rPr lang="zh-CN" altLang="en-US" smtClean="0"/>
-              <a:t>2021/3/8</a:t>
+              <a:t>2021/3/25</a:t>
             </a:fld>
             <a:endParaRPr lang="zh-CN" altLang="en-US"/>
           </a:p>
@@ -6409,7 +6412,7 @@
           <a:p>
             <a:fld id="{1F6AFFF1-73BC-474B-9B74-714E66F6B952}" type="datetimeFigureOut">
               <a:rPr lang="zh-CN" altLang="en-US" smtClean="0"/>
-              <a:t>2021/3/8</a:t>
+              <a:t>2021/3/25</a:t>
             </a:fld>
             <a:endParaRPr lang="zh-CN" altLang="en-US"/>
           </a:p>
@@ -6869,7 +6872,7 @@
           <a:p>
             <a:fld id="{1F6AFFF1-73BC-474B-9B74-714E66F6B952}" type="datetimeFigureOut">
               <a:rPr lang="zh-CN" altLang="en-US" smtClean="0"/>
-              <a:t>2021/3/8</a:t>
+              <a:t>2021/3/25</a:t>
             </a:fld>
             <a:endParaRPr lang="zh-CN" altLang="en-US"/>
           </a:p>
@@ -7025,7 +7028,7 @@
           <a:p>
             <a:fld id="{1F6AFFF1-73BC-474B-9B74-714E66F6B952}" type="datetimeFigureOut">
               <a:rPr lang="zh-CN" altLang="en-US" smtClean="0"/>
-              <a:t>2021/3/8</a:t>
+              <a:t>2021/3/25</a:t>
             </a:fld>
             <a:endParaRPr lang="zh-CN" altLang="en-US"/>
           </a:p>
@@ -7152,7 +7155,7 @@
           <a:p>
             <a:fld id="{1F6AFFF1-73BC-474B-9B74-714E66F6B952}" type="datetimeFigureOut">
               <a:rPr lang="zh-CN" altLang="en-US" smtClean="0"/>
-              <a:t>2021/3/8</a:t>
+              <a:t>2021/3/25</a:t>
             </a:fld>
             <a:endParaRPr lang="zh-CN" altLang="en-US"/>
           </a:p>
@@ -7463,7 +7466,7 @@
           <a:p>
             <a:fld id="{1F6AFFF1-73BC-474B-9B74-714E66F6B952}" type="datetimeFigureOut">
               <a:rPr lang="zh-CN" altLang="en-US" smtClean="0"/>
-              <a:t>2021/3/8</a:t>
+              <a:t>2021/3/25</a:t>
             </a:fld>
             <a:endParaRPr lang="zh-CN" altLang="en-US"/>
           </a:p>
@@ -7755,7 +7758,7 @@
           <a:p>
             <a:fld id="{1F6AFFF1-73BC-474B-9B74-714E66F6B952}" type="datetimeFigureOut">
               <a:rPr lang="zh-CN" altLang="en-US" smtClean="0"/>
-              <a:t>2021/3/8</a:t>
+              <a:t>2021/3/25</a:t>
             </a:fld>
             <a:endParaRPr lang="zh-CN" altLang="en-US"/>
           </a:p>
@@ -8120,7 +8123,7 @@
           <a:p>
             <a:fld id="{1F6AFFF1-73BC-474B-9B74-714E66F6B952}" type="datetimeFigureOut">
               <a:rPr lang="zh-CN" altLang="en-US" smtClean="0"/>
-              <a:t>2021/3/8</a:t>
+              <a:t>2021/3/25</a:t>
             </a:fld>
             <a:endParaRPr lang="zh-CN" altLang="en-US"/>
           </a:p>
@@ -14413,7 +14416,7 @@
           <p:cNvPr id="2" name="标题 1">
             <a:extLst>
               <a:ext uri="{FF2B5EF4-FFF2-40B4-BE49-F238E27FC236}">
-                <a16:creationId xmlns:a16="http://schemas.microsoft.com/office/drawing/2014/main" id="{97C01E4F-90F1-4BC8-8D21-A373D875432A}"/>
+                <a16:creationId xmlns:a16="http://schemas.microsoft.com/office/drawing/2014/main" id="{EF1D47A5-D9C4-4FEF-9E64-08B91B7BEE75}"/>
               </a:ext>
             </a:extLst>
           </p:cNvPr>
@@ -14429,7 +14432,11 @@
           <a:bodyPr/>
           <a:lstStyle/>
           <a:p>
-            <a:endParaRPr lang="zh-CN" altLang="en-US"/>
+            <a:r>
+              <a:rPr lang="en-US" altLang="zh-CN" dirty="0"/>
+              <a:t>Why software testing?</a:t>
+            </a:r>
+            <a:endParaRPr lang="zh-CN" altLang="en-US" dirty="0"/>
           </a:p>
         </p:txBody>
       </p:sp>
@@ -14438,7 +14445,7 @@
           <p:cNvPr id="3" name="内容占位符 2">
             <a:extLst>
               <a:ext uri="{FF2B5EF4-FFF2-40B4-BE49-F238E27FC236}">
-                <a16:creationId xmlns:a16="http://schemas.microsoft.com/office/drawing/2014/main" id="{C4A7C814-094E-485A-9EAD-608DC01056EB}"/>
+                <a16:creationId xmlns:a16="http://schemas.microsoft.com/office/drawing/2014/main" id="{1E32AD20-17EF-40BB-A41B-0D897733B854}"/>
               </a:ext>
             </a:extLst>
           </p:cNvPr>
@@ -14454,14 +14461,24 @@
           <a:bodyPr/>
           <a:lstStyle/>
           <a:p>
-            <a:endParaRPr lang="zh-CN" altLang="en-US"/>
+            <a:r>
+              <a:rPr lang="en-US" altLang="zh-CN" dirty="0"/>
+              <a:t>Requirement: Min-max</a:t>
+            </a:r>
+          </a:p>
+          <a:p>
+            <a:r>
+              <a:rPr lang="en-US" altLang="zh-CN" dirty="0"/>
+              <a:t>https://youtu.be/xtLgp8LXWp8</a:t>
+            </a:r>
+            <a:endParaRPr lang="zh-CN" altLang="en-US" dirty="0"/>
           </a:p>
         </p:txBody>
       </p:sp>
     </p:spTree>
     <p:extLst>
       <p:ext uri="{BB962C8B-B14F-4D97-AF65-F5344CB8AC3E}">
-        <p14:creationId xmlns:p14="http://schemas.microsoft.com/office/powerpoint/2010/main" val="2634181256"/>
+        <p14:creationId xmlns:p14="http://schemas.microsoft.com/office/powerpoint/2010/main" val="3375017927"/>
       </p:ext>
     </p:extLst>
   </p:cSld>
@@ -15301,7 +15318,7 @@
           <a:p>
             <a:r>
               <a:rPr lang="en-US" altLang="zh-CN" dirty="0"/>
-              <a:t>Course Links</a:t>
+              <a:t>Courseware Links</a:t>
             </a:r>
             <a:endParaRPr lang="zh-CN" altLang="en-US" dirty="0"/>
           </a:p>
@@ -15330,12 +15347,25 @@
           <a:p>
             <a:r>
               <a:rPr lang="en-US" altLang="zh-CN" dirty="0"/>
-              <a:t>Homepage: </a:t>
+              <a:t>Courseware: </a:t>
             </a:r>
             <a:r>
               <a:rPr lang="en-US" altLang="zh-CN" dirty="0">
                 <a:hlinkClick r:id="rId2"/>
               </a:rPr>
+              <a:t>https://github.com/mordeky/SoftwareTesting/</a:t>
+            </a:r>
+            <a:endParaRPr lang="zh-CN" altLang="en-US" dirty="0"/>
+          </a:p>
+          <a:p>
+            <a:r>
+              <a:rPr lang="en-US" altLang="zh-CN" dirty="0"/>
+              <a:t>Course Plan: </a:t>
+            </a:r>
+            <a:r>
+              <a:rPr lang="en-US" altLang="zh-CN" dirty="0">
+                <a:hlinkClick r:id="rId3"/>
+              </a:rPr>
               <a:t>https://mordeky.github.io/SoftwareTesting/</a:t>
             </a:r>
             <a:endParaRPr lang="en-US" altLang="zh-CN" dirty="0"/>
@@ -15343,18 +15373,15 @@
           <a:p>
             <a:r>
               <a:rPr lang="en-US" altLang="zh-CN" dirty="0"/>
-              <a:t>Book page: </a:t>
+              <a:t>Book Page: </a:t>
             </a:r>
             <a:r>
               <a:rPr lang="en-US" altLang="zh-CN" dirty="0">
-                <a:hlinkClick r:id="rId3"/>
+                <a:hlinkClick r:id="rId4"/>
               </a:rPr>
               <a:t>https://mordeky.github.io/SQAT/</a:t>
             </a:r>
             <a:endParaRPr lang="en-US" altLang="zh-CN" dirty="0"/>
-          </a:p>
-          <a:p>
-            <a:endParaRPr lang="zh-CN" altLang="en-US" dirty="0"/>
           </a:p>
         </p:txBody>
       </p:sp>
